--- a/app/pitch.pptx
+++ b/app/pitch.pptx
@@ -6683,6 +6683,17 @@
           </a:p>
           <a:p>
             <a:r>
+              <a:rPr lang="de-DE" dirty="0"/>
+              <a:t>Andre </a:t>
+            </a:r>
+            <a:r>
+              <a:rPr lang="de-DE" dirty="0" smtClean="0"/>
+              <a:t>Ganser</a:t>
+            </a:r>
+            <a:endParaRPr lang="de-DE" dirty="0" smtClean="0"/>
+          </a:p>
+          <a:p>
+            <a:r>
               <a:rPr lang="de-DE" dirty="0" smtClean="0"/>
               <a:t>Alexander </a:t>
             </a:r>
@@ -6695,13 +6706,11 @@
           <a:p>
             <a:r>
               <a:rPr lang="de-DE" dirty="0" smtClean="0"/>
-              <a:t>Andre </a:t>
-            </a:r>
-          </a:p>
-          <a:p>
+              <a:t>Lukas </a:t>
+            </a:r>
             <a:r>
               <a:rPr lang="de-DE" dirty="0" smtClean="0"/>
-              <a:t>Lukas Schaller</a:t>
+              <a:t>Schaller</a:t>
             </a:r>
             <a:endParaRPr lang="de-DE" dirty="0"/>
           </a:p>
